--- a/Architecture/Architecture.pptx
+++ b/Architecture/Architecture.pptx
@@ -105,6 +105,11 @@
       </a:defRPr>
     </a:lvl9pPr>
   </p:defaultTextStyle>
+  <p:extLst>
+    <p:ext uri="{EFAFB233-063F-42B5-8137-9DF3F51BA10A}">
+      <p15:sldGuideLst xmlns:p15="http://schemas.microsoft.com/office/powerpoint/2012/main"/>
+    </p:ext>
+  </p:extLst>
 </p:presentation>
 </file>
 
@@ -5367,7 +5372,23 @@
                 <a:latin typeface="Segoe UI Light" panose="020B0502040204020203" pitchFamily="34" charset="0"/>
                 <a:cs typeface="Segoe UI Light" panose="020B0502040204020203" pitchFamily="34" charset="0"/>
               </a:rPr>
-              <a:t>The youngest date from a commit or project will determine the project activity age</a:t>
+              <a:t>The youngest date from a commit or project will determine the project activity age (</a:t>
+            </a:r>
+            <a:r>
+              <a:rPr lang="nl-NL" sz="2400" dirty="0" err="1">
+                <a:solidFill>
+                  <a:srgbClr val="000000"/>
+                </a:solidFill>
+                <a:latin typeface="Consolas" panose="020B0609020204030204" pitchFamily="49" charset="0"/>
+              </a:rPr>
+              <a:t>LastKnownActivity</a:t>
+            </a:r>
+            <a:r>
+              <a:rPr lang="en-US" dirty="0">
+                <a:latin typeface="Segoe UI Light" panose="020B0502040204020203" pitchFamily="34" charset="0"/>
+                <a:cs typeface="Segoe UI Light" panose="020B0502040204020203" pitchFamily="34" charset="0"/>
+              </a:rPr>
+              <a:t>)</a:t>
             </a:r>
           </a:p>
           <a:p>

--- a/Architecture/Architecture.pptx
+++ b/Architecture/Architecture.pptx
@@ -678,7 +678,7 @@
           <a:p>
             <a:fld id="{FB909909-C875-4CFD-8045-AD1B2DF230FC}" type="datetimeFigureOut">
               <a:rPr lang="en-NL" smtClean="0"/>
-              <a:t>04/06/2021</a:t>
+              <a:t>08/06/2021</a:t>
             </a:fld>
             <a:endParaRPr lang="en-NL"/>
           </a:p>
@@ -878,7 +878,7 @@
           <a:p>
             <a:fld id="{FB909909-C875-4CFD-8045-AD1B2DF230FC}" type="datetimeFigureOut">
               <a:rPr lang="en-NL" smtClean="0"/>
-              <a:t>04/06/2021</a:t>
+              <a:t>08/06/2021</a:t>
             </a:fld>
             <a:endParaRPr lang="en-NL"/>
           </a:p>
@@ -1088,7 +1088,7 @@
           <a:p>
             <a:fld id="{FB909909-C875-4CFD-8045-AD1B2DF230FC}" type="datetimeFigureOut">
               <a:rPr lang="en-NL" smtClean="0"/>
-              <a:t>04/06/2021</a:t>
+              <a:t>08/06/2021</a:t>
             </a:fld>
             <a:endParaRPr lang="en-NL"/>
           </a:p>
@@ -1288,7 +1288,7 @@
           <a:p>
             <a:fld id="{FB909909-C875-4CFD-8045-AD1B2DF230FC}" type="datetimeFigureOut">
               <a:rPr lang="en-NL" smtClean="0"/>
-              <a:t>04/06/2021</a:t>
+              <a:t>08/06/2021</a:t>
             </a:fld>
             <a:endParaRPr lang="en-NL"/>
           </a:p>
@@ -1564,7 +1564,7 @@
           <a:p>
             <a:fld id="{FB909909-C875-4CFD-8045-AD1B2DF230FC}" type="datetimeFigureOut">
               <a:rPr lang="en-NL" smtClean="0"/>
-              <a:t>04/06/2021</a:t>
+              <a:t>08/06/2021</a:t>
             </a:fld>
             <a:endParaRPr lang="en-NL"/>
           </a:p>
@@ -1832,7 +1832,7 @@
           <a:p>
             <a:fld id="{FB909909-C875-4CFD-8045-AD1B2DF230FC}" type="datetimeFigureOut">
               <a:rPr lang="en-NL" smtClean="0"/>
-              <a:t>04/06/2021</a:t>
+              <a:t>08/06/2021</a:t>
             </a:fld>
             <a:endParaRPr lang="en-NL"/>
           </a:p>
@@ -2247,7 +2247,7 @@
           <a:p>
             <a:fld id="{FB909909-C875-4CFD-8045-AD1B2DF230FC}" type="datetimeFigureOut">
               <a:rPr lang="en-NL" smtClean="0"/>
-              <a:t>04/06/2021</a:t>
+              <a:t>08/06/2021</a:t>
             </a:fld>
             <a:endParaRPr lang="en-NL"/>
           </a:p>
@@ -2389,7 +2389,7 @@
           <a:p>
             <a:fld id="{FB909909-C875-4CFD-8045-AD1B2DF230FC}" type="datetimeFigureOut">
               <a:rPr lang="en-NL" smtClean="0"/>
-              <a:t>04/06/2021</a:t>
+              <a:t>08/06/2021</a:t>
             </a:fld>
             <a:endParaRPr lang="en-NL"/>
           </a:p>
@@ -2502,7 +2502,7 @@
           <a:p>
             <a:fld id="{FB909909-C875-4CFD-8045-AD1B2DF230FC}" type="datetimeFigureOut">
               <a:rPr lang="en-NL" smtClean="0"/>
-              <a:t>04/06/2021</a:t>
+              <a:t>08/06/2021</a:t>
             </a:fld>
             <a:endParaRPr lang="en-NL"/>
           </a:p>
@@ -2815,7 +2815,7 @@
           <a:p>
             <a:fld id="{FB909909-C875-4CFD-8045-AD1B2DF230FC}" type="datetimeFigureOut">
               <a:rPr lang="en-NL" smtClean="0"/>
-              <a:t>04/06/2021</a:t>
+              <a:t>08/06/2021</a:t>
             </a:fld>
             <a:endParaRPr lang="en-NL"/>
           </a:p>
@@ -3104,7 +3104,7 @@
           <a:p>
             <a:fld id="{FB909909-C875-4CFD-8045-AD1B2DF230FC}" type="datetimeFigureOut">
               <a:rPr lang="en-NL" smtClean="0"/>
-              <a:t>04/06/2021</a:t>
+              <a:t>08/06/2021</a:t>
             </a:fld>
             <a:endParaRPr lang="en-NL"/>
           </a:p>
@@ -3347,7 +3347,7 @@
           <a:p>
             <a:fld id="{FB909909-C875-4CFD-8045-AD1B2DF230FC}" type="datetimeFigureOut">
               <a:rPr lang="en-NL" smtClean="0"/>
-              <a:t>04/06/2021</a:t>
+              <a:t>08/06/2021</a:t>
             </a:fld>
             <a:endParaRPr lang="en-NL"/>
           </a:p>
@@ -5252,7 +5252,7 @@
                 <a:latin typeface="Segoe UI Light" panose="020B0502040204020203" pitchFamily="34" charset="0"/>
                 <a:cs typeface="Segoe UI Light" panose="020B0502040204020203" pitchFamily="34" charset="0"/>
               </a:rPr>
-              <a:t>Get Projects (</a:t>
+              <a:t>Get projects (</a:t>
             </a:r>
             <a:r>
               <a:rPr lang="en-US" sz="2400" dirty="0">
@@ -5287,16 +5287,7 @@
                 <a:latin typeface="Segoe UI Light" panose="020B0502040204020203" pitchFamily="34" charset="0"/>
                 <a:cs typeface="Segoe UI Light" panose="020B0502040204020203" pitchFamily="34" charset="0"/>
               </a:rPr>
-              <a:t>)</a:t>
-            </a:r>
-          </a:p>
-          <a:p>
-            <a:r>
-              <a:rPr lang="en-US" dirty="0">
-                <a:latin typeface="Segoe UI Light" panose="020B0502040204020203" pitchFamily="34" charset="0"/>
-                <a:cs typeface="Segoe UI Light" panose="020B0502040204020203" pitchFamily="34" charset="0"/>
-              </a:rPr>
-              <a:t>Get Project Properties (</a:t>
+              <a:t>) -&gt; Get project properties (</a:t>
             </a:r>
             <a:r>
               <a:rPr lang="en-US" sz="2400" dirty="0" err="1">
@@ -5333,16 +5324,7 @@
                 <a:latin typeface="Segoe UI Light" panose="020B0502040204020203" pitchFamily="34" charset="0"/>
                 <a:cs typeface="Segoe UI Light" panose="020B0502040204020203" pitchFamily="34" charset="0"/>
               </a:rPr>
-              <a:t>)</a:t>
-            </a:r>
-          </a:p>
-          <a:p>
-            <a:r>
-              <a:rPr lang="en-US" dirty="0">
-                <a:latin typeface="Segoe UI Light" panose="020B0502040204020203" pitchFamily="34" charset="0"/>
-                <a:cs typeface="Segoe UI Light" panose="020B0502040204020203" pitchFamily="34" charset="0"/>
-              </a:rPr>
-              <a:t>Get last commit (</a:t>
+              <a:t>) -&gt; Get last commit (</a:t>
             </a:r>
             <a:r>
               <a:rPr lang="en-US" sz="2400" dirty="0">
@@ -5360,6 +5342,43 @@
             </a:r>
           </a:p>
           <a:p>
+            <a:r>
+              <a:rPr lang="en-US" dirty="0">
+                <a:latin typeface="Segoe UI Light" panose="020B0502040204020203" pitchFamily="34" charset="0"/>
+                <a:cs typeface="Segoe UI Light" panose="020B0502040204020203" pitchFamily="34" charset="0"/>
+              </a:rPr>
+              <a:t>Get last </a:t>
+            </a:r>
+            <a:r>
+              <a:rPr lang="en-US" dirty="0" err="1">
+                <a:latin typeface="Segoe UI Light" panose="020B0502040204020203" pitchFamily="34" charset="0"/>
+                <a:cs typeface="Segoe UI Light" panose="020B0502040204020203" pitchFamily="34" charset="0"/>
+              </a:rPr>
+              <a:t>workItem</a:t>
+            </a:r>
+            <a:r>
+              <a:rPr lang="en-US" dirty="0">
+                <a:latin typeface="Segoe UI Light" panose="020B0502040204020203" pitchFamily="34" charset="0"/>
+                <a:cs typeface="Segoe UI Light" panose="020B0502040204020203" pitchFamily="34" charset="0"/>
+              </a:rPr>
+              <a:t> (</a:t>
+            </a:r>
+            <a:r>
+              <a:rPr lang="en-US" sz="2400" dirty="0" err="1">
+                <a:latin typeface="Consolas" panose="020B0609020204030204" pitchFamily="49" charset="0"/>
+                <a:cs typeface="Segoe UI Light" panose="020B0502040204020203" pitchFamily="34" charset="0"/>
+              </a:rPr>
+              <a:t>ChangedDate</a:t>
+            </a:r>
+            <a:r>
+              <a:rPr lang="en-US" dirty="0">
+                <a:latin typeface="Segoe UI Light" panose="020B0502040204020203" pitchFamily="34" charset="0"/>
+                <a:cs typeface="Segoe UI Light" panose="020B0502040204020203" pitchFamily="34" charset="0"/>
+              </a:rPr>
+              <a:t>)</a:t>
+            </a:r>
+          </a:p>
+          <a:p>
             <a:pPr lvl="2"/>
             <a:endParaRPr lang="en-US" dirty="0">
               <a:latin typeface="Segoe UI Light" panose="020B0502040204020203" pitchFamily="34" charset="0"/>
@@ -5372,7 +5391,21 @@
                 <a:latin typeface="Segoe UI Light" panose="020B0502040204020203" pitchFamily="34" charset="0"/>
                 <a:cs typeface="Segoe UI Light" panose="020B0502040204020203" pitchFamily="34" charset="0"/>
               </a:rPr>
-              <a:t>The youngest date from a commit or project will determine the project activity age (</a:t>
+              <a:t>The youngest date from a commit, </a:t>
+            </a:r>
+            <a:r>
+              <a:rPr lang="en-US" dirty="0" err="1">
+                <a:latin typeface="Segoe UI Light" panose="020B0502040204020203" pitchFamily="34" charset="0"/>
+                <a:cs typeface="Segoe UI Light" panose="020B0502040204020203" pitchFamily="34" charset="0"/>
+              </a:rPr>
+              <a:t>workitem</a:t>
+            </a:r>
+            <a:r>
+              <a:rPr lang="en-US" dirty="0">
+                <a:latin typeface="Segoe UI Light" panose="020B0502040204020203" pitchFamily="34" charset="0"/>
+                <a:cs typeface="Segoe UI Light" panose="020B0502040204020203" pitchFamily="34" charset="0"/>
+              </a:rPr>
+              <a:t> or project will determine the project activity age (</a:t>
             </a:r>
             <a:r>
               <a:rPr lang="nl-NL" sz="2400" dirty="0" err="1">

--- a/Architecture/Architecture.pptx
+++ b/Architecture/Architecture.pptx
@@ -678,7 +678,7 @@
           <a:p>
             <a:fld id="{FB909909-C875-4CFD-8045-AD1B2DF230FC}" type="datetimeFigureOut">
               <a:rPr lang="en-NL" smtClean="0"/>
-              <a:t>08/06/2021</a:t>
+              <a:t>13/06/2021</a:t>
             </a:fld>
             <a:endParaRPr lang="en-NL"/>
           </a:p>
@@ -878,7 +878,7 @@
           <a:p>
             <a:fld id="{FB909909-C875-4CFD-8045-AD1B2DF230FC}" type="datetimeFigureOut">
               <a:rPr lang="en-NL" smtClean="0"/>
-              <a:t>08/06/2021</a:t>
+              <a:t>13/06/2021</a:t>
             </a:fld>
             <a:endParaRPr lang="en-NL"/>
           </a:p>
@@ -1088,7 +1088,7 @@
           <a:p>
             <a:fld id="{FB909909-C875-4CFD-8045-AD1B2DF230FC}" type="datetimeFigureOut">
               <a:rPr lang="en-NL" smtClean="0"/>
-              <a:t>08/06/2021</a:t>
+              <a:t>13/06/2021</a:t>
             </a:fld>
             <a:endParaRPr lang="en-NL"/>
           </a:p>
@@ -1288,7 +1288,7 @@
           <a:p>
             <a:fld id="{FB909909-C875-4CFD-8045-AD1B2DF230FC}" type="datetimeFigureOut">
               <a:rPr lang="en-NL" smtClean="0"/>
-              <a:t>08/06/2021</a:t>
+              <a:t>13/06/2021</a:t>
             </a:fld>
             <a:endParaRPr lang="en-NL"/>
           </a:p>
@@ -1564,7 +1564,7 @@
           <a:p>
             <a:fld id="{FB909909-C875-4CFD-8045-AD1B2DF230FC}" type="datetimeFigureOut">
               <a:rPr lang="en-NL" smtClean="0"/>
-              <a:t>08/06/2021</a:t>
+              <a:t>13/06/2021</a:t>
             </a:fld>
             <a:endParaRPr lang="en-NL"/>
           </a:p>
@@ -1832,7 +1832,7 @@
           <a:p>
             <a:fld id="{FB909909-C875-4CFD-8045-AD1B2DF230FC}" type="datetimeFigureOut">
               <a:rPr lang="en-NL" smtClean="0"/>
-              <a:t>08/06/2021</a:t>
+              <a:t>13/06/2021</a:t>
             </a:fld>
             <a:endParaRPr lang="en-NL"/>
           </a:p>
@@ -2247,7 +2247,7 @@
           <a:p>
             <a:fld id="{FB909909-C875-4CFD-8045-AD1B2DF230FC}" type="datetimeFigureOut">
               <a:rPr lang="en-NL" smtClean="0"/>
-              <a:t>08/06/2021</a:t>
+              <a:t>13/06/2021</a:t>
             </a:fld>
             <a:endParaRPr lang="en-NL"/>
           </a:p>
@@ -2389,7 +2389,7 @@
           <a:p>
             <a:fld id="{FB909909-C875-4CFD-8045-AD1B2DF230FC}" type="datetimeFigureOut">
               <a:rPr lang="en-NL" smtClean="0"/>
-              <a:t>08/06/2021</a:t>
+              <a:t>13/06/2021</a:t>
             </a:fld>
             <a:endParaRPr lang="en-NL"/>
           </a:p>
@@ -2502,7 +2502,7 @@
           <a:p>
             <a:fld id="{FB909909-C875-4CFD-8045-AD1B2DF230FC}" type="datetimeFigureOut">
               <a:rPr lang="en-NL" smtClean="0"/>
-              <a:t>08/06/2021</a:t>
+              <a:t>13/06/2021</a:t>
             </a:fld>
             <a:endParaRPr lang="en-NL"/>
           </a:p>
@@ -2815,7 +2815,7 @@
           <a:p>
             <a:fld id="{FB909909-C875-4CFD-8045-AD1B2DF230FC}" type="datetimeFigureOut">
               <a:rPr lang="en-NL" smtClean="0"/>
-              <a:t>08/06/2021</a:t>
+              <a:t>13/06/2021</a:t>
             </a:fld>
             <a:endParaRPr lang="en-NL"/>
           </a:p>
@@ -3104,7 +3104,7 @@
           <a:p>
             <a:fld id="{FB909909-C875-4CFD-8045-AD1B2DF230FC}" type="datetimeFigureOut">
               <a:rPr lang="en-NL" smtClean="0"/>
-              <a:t>08/06/2021</a:t>
+              <a:t>13/06/2021</a:t>
             </a:fld>
             <a:endParaRPr lang="en-NL"/>
           </a:p>
@@ -3347,7 +3347,7 @@
           <a:p>
             <a:fld id="{FB909909-C875-4CFD-8045-AD1B2DF230FC}" type="datetimeFigureOut">
               <a:rPr lang="en-NL" smtClean="0"/>
-              <a:t>08/06/2021</a:t>
+              <a:t>13/06/2021</a:t>
             </a:fld>
             <a:endParaRPr lang="en-NL"/>
           </a:p>
@@ -4680,8 +4680,8 @@
         </p:nvSpPr>
         <p:spPr>
           <a:xfrm>
-            <a:off x="5689562" y="4263110"/>
-            <a:ext cx="1053494" cy="369332"/>
+            <a:off x="5717651" y="4116177"/>
+            <a:ext cx="1181734" cy="646331"/>
           </a:xfrm>
           <a:prstGeom prst="rect">
             <a:avLst/>
@@ -4701,6 +4701,19 @@
               </a:rPr>
               <a:t>data.json</a:t>
             </a:r>
+            <a:endParaRPr lang="en-US" dirty="0">
+              <a:latin typeface="Segoe UI Light" panose="020B0502040204020203" pitchFamily="34" charset="0"/>
+              <a:cs typeface="Segoe UI Light" panose="020B0502040204020203" pitchFamily="34" charset="0"/>
+            </a:endParaRPr>
+          </a:p>
+          <a:p>
+            <a:r>
+              <a:rPr lang="en-US" dirty="0" err="1">
+                <a:latin typeface="Segoe UI Light" panose="020B0502040204020203" pitchFamily="34" charset="0"/>
+                <a:cs typeface="Segoe UI Light" panose="020B0502040204020203" pitchFamily="34" charset="0"/>
+              </a:rPr>
+              <a:t>status.json</a:t>
+            </a:r>
             <a:endParaRPr lang="en-NL" dirty="0">
               <a:latin typeface="Segoe UI Light" panose="020B0502040204020203" pitchFamily="34" charset="0"/>
               <a:cs typeface="Segoe UI Light" panose="020B0502040204020203" pitchFamily="34" charset="0"/>
@@ -4722,7 +4735,7 @@
         </p:nvSpPr>
         <p:spPr>
           <a:xfrm>
-            <a:off x="6085460" y="2993540"/>
+            <a:off x="5954989" y="2556211"/>
             <a:ext cx="1242841" cy="646331"/>
           </a:xfrm>
           <a:prstGeom prst="rect">
@@ -4952,10 +4965,10 @@
       </p:sp>
       <p:pic>
         <p:nvPicPr>
-          <p:cNvPr id="65" name="Graphic 64">
-            <a:extLst>
-              <a:ext uri="{FF2B5EF4-FFF2-40B4-BE49-F238E27FC236}">
-                <a16:creationId xmlns:a16="http://schemas.microsoft.com/office/drawing/2014/main" id="{C3269190-3D34-408E-8F00-CCBE31363101}"/>
+          <p:cNvPr id="67" name="Graphic 66">
+            <a:extLst>
+              <a:ext uri="{FF2B5EF4-FFF2-40B4-BE49-F238E27FC236}">
+                <a16:creationId xmlns:a16="http://schemas.microsoft.com/office/drawing/2014/main" id="{61F0E03D-0CCE-4C17-98A6-F65FCEFD9FEF}"/>
               </a:ext>
             </a:extLst>
           </p:cNvPr>
@@ -4972,45 +4985,6 @@
               </a:ext>
               <a:ext uri="{96DAC541-7B7A-43D3-8B79-37D633B846F1}">
                 <asvg:svgBlip xmlns:asvg="http://schemas.microsoft.com/office/drawing/2016/SVG/main" r:embed="rId23"/>
-              </a:ext>
-            </a:extLst>
-          </a:blip>
-          <a:stretch>
-            <a:fillRect/>
-          </a:stretch>
-        </p:blipFill>
-        <p:spPr>
-          <a:xfrm>
-            <a:off x="7247988" y="2503356"/>
-            <a:ext cx="360000" cy="360000"/>
-          </a:xfrm>
-          <a:prstGeom prst="rect">
-            <a:avLst/>
-          </a:prstGeom>
-        </p:spPr>
-      </p:pic>
-      <p:pic>
-        <p:nvPicPr>
-          <p:cNvPr id="67" name="Graphic 66">
-            <a:extLst>
-              <a:ext uri="{FF2B5EF4-FFF2-40B4-BE49-F238E27FC236}">
-                <a16:creationId xmlns:a16="http://schemas.microsoft.com/office/drawing/2014/main" id="{61F0E03D-0CCE-4C17-98A6-F65FCEFD9FEF}"/>
-              </a:ext>
-            </a:extLst>
-          </p:cNvPr>
-          <p:cNvPicPr>
-            <a:picLocks noChangeAspect="1"/>
-          </p:cNvPicPr>
-          <p:nvPr/>
-        </p:nvPicPr>
-        <p:blipFill>
-          <a:blip r:embed="rId24">
-            <a:extLst>
-              <a:ext uri="{28A0092B-C50C-407E-A947-70E740481C1C}">
-                <a14:useLocalDpi xmlns:a14="http://schemas.microsoft.com/office/drawing/2010/main" val="0"/>
-              </a:ext>
-              <a:ext uri="{96DAC541-7B7A-43D3-8B79-37D633B846F1}">
-                <asvg:svgBlip xmlns:asvg="http://schemas.microsoft.com/office/drawing/2016/SVG/main" r:embed="rId25"/>
               </a:ext>
             </a:extLst>
           </a:blip>
@@ -5078,49 +5052,6 @@
       </p:cxnSp>
       <p:sp>
         <p:nvSpPr>
-          <p:cNvPr id="72" name="TextBox 71">
-            <a:extLst>
-              <a:ext uri="{FF2B5EF4-FFF2-40B4-BE49-F238E27FC236}">
-                <a16:creationId xmlns:a16="http://schemas.microsoft.com/office/drawing/2014/main" id="{43752DDD-AB7E-4450-8DC7-F7D03CF822CE}"/>
-              </a:ext>
-            </a:extLst>
-          </p:cNvPr>
-          <p:cNvSpPr txBox="1"/>
-          <p:nvPr/>
-        </p:nvSpPr>
-        <p:spPr>
-          <a:xfrm>
-            <a:off x="6818225" y="2521284"/>
-            <a:ext cx="510076" cy="276999"/>
-          </a:xfrm>
-          <a:prstGeom prst="rect">
-            <a:avLst/>
-          </a:prstGeom>
-          <a:noFill/>
-        </p:spPr>
-        <p:txBody>
-          <a:bodyPr wrap="none" rtlCol="0">
-            <a:spAutoFit/>
-          </a:bodyPr>
-          <a:lstStyle/>
-          <a:p>
-            <a:pPr algn="r"/>
-            <a:r>
-              <a:rPr lang="en-US" sz="1200" dirty="0" err="1">
-                <a:latin typeface="Segoe UI Light" panose="020B0502040204020203" pitchFamily="34" charset="0"/>
-                <a:cs typeface="Segoe UI Light" panose="020B0502040204020203" pitchFamily="34" charset="0"/>
-              </a:rPr>
-              <a:t>VNet</a:t>
-            </a:r>
-            <a:endParaRPr lang="en-NL" sz="1200" dirty="0">
-              <a:latin typeface="Segoe UI Light" panose="020B0502040204020203" pitchFamily="34" charset="0"/>
-              <a:cs typeface="Segoe UI Light" panose="020B0502040204020203" pitchFamily="34" charset="0"/>
-            </a:endParaRPr>
-          </a:p>
-        </p:txBody>
-      </p:sp>
-      <p:sp>
-        <p:nvSpPr>
           <p:cNvPr id="74" name="TextBox 73">
             <a:extLst>
               <a:ext uri="{FF2B5EF4-FFF2-40B4-BE49-F238E27FC236}">
@@ -5154,6 +5085,288 @@
                 <a:cs typeface="Segoe UI Light" panose="020B0502040204020203" pitchFamily="34" charset="0"/>
               </a:rPr>
               <a:t>Key Vault</a:t>
+            </a:r>
+            <a:endParaRPr lang="en-NL" dirty="0">
+              <a:latin typeface="Segoe UI Light" panose="020B0502040204020203" pitchFamily="34" charset="0"/>
+              <a:cs typeface="Segoe UI Light" panose="020B0502040204020203" pitchFamily="34" charset="0"/>
+            </a:endParaRPr>
+          </a:p>
+        </p:txBody>
+      </p:sp>
+      <p:pic>
+        <p:nvPicPr>
+          <p:cNvPr id="5" name="Picture 4">
+            <a:extLst>
+              <a:ext uri="{FF2B5EF4-FFF2-40B4-BE49-F238E27FC236}">
+                <a16:creationId xmlns:a16="http://schemas.microsoft.com/office/drawing/2014/main" id="{032DF3BD-9332-4D88-8467-E7B6AFEB140F}"/>
+              </a:ext>
+            </a:extLst>
+          </p:cNvPr>
+          <p:cNvPicPr>
+            <a:picLocks noChangeAspect="1"/>
+          </p:cNvPicPr>
+          <p:nvPr/>
+        </p:nvPicPr>
+        <p:blipFill>
+          <a:blip r:embed="rId24"/>
+          <a:stretch>
+            <a:fillRect/>
+          </a:stretch>
+        </p:blipFill>
+        <p:spPr>
+          <a:xfrm>
+            <a:off x="7818164" y="2506077"/>
+            <a:ext cx="834363" cy="2149478"/>
+          </a:xfrm>
+          <a:prstGeom prst="rect">
+            <a:avLst/>
+          </a:prstGeom>
+        </p:spPr>
+      </p:pic>
+      <p:sp>
+        <p:nvSpPr>
+          <p:cNvPr id="7" name="TextBox 6">
+            <a:extLst>
+              <a:ext uri="{FF2B5EF4-FFF2-40B4-BE49-F238E27FC236}">
+                <a16:creationId xmlns:a16="http://schemas.microsoft.com/office/drawing/2014/main" id="{3A209E83-B54B-4F25-8121-F13C88990C3C}"/>
+              </a:ext>
+            </a:extLst>
+          </p:cNvPr>
+          <p:cNvSpPr txBox="1"/>
+          <p:nvPr/>
+        </p:nvSpPr>
+        <p:spPr>
+          <a:xfrm>
+            <a:off x="8622649" y="2592040"/>
+            <a:ext cx="1795556" cy="369332"/>
+          </a:xfrm>
+          <a:prstGeom prst="rect">
+            <a:avLst/>
+          </a:prstGeom>
+          <a:noFill/>
+        </p:spPr>
+        <p:txBody>
+          <a:bodyPr wrap="none" rtlCol="0">
+            <a:spAutoFit/>
+          </a:bodyPr>
+          <a:lstStyle/>
+          <a:p>
+            <a:r>
+              <a:rPr lang="en-US" dirty="0">
+                <a:latin typeface="Segoe UI Light" panose="020B0502040204020203" pitchFamily="34" charset="0"/>
+                <a:cs typeface="Segoe UI Light" panose="020B0502040204020203" pitchFamily="34" charset="0"/>
+              </a:rPr>
+              <a:t>Power Automate</a:t>
+            </a:r>
+            <a:endParaRPr lang="en-NL" dirty="0">
+              <a:latin typeface="Segoe UI Light" panose="020B0502040204020203" pitchFamily="34" charset="0"/>
+              <a:cs typeface="Segoe UI Light" panose="020B0502040204020203" pitchFamily="34" charset="0"/>
+            </a:endParaRPr>
+          </a:p>
+        </p:txBody>
+      </p:sp>
+      <p:sp>
+        <p:nvSpPr>
+          <p:cNvPr id="9" name="TextBox 8">
+            <a:extLst>
+              <a:ext uri="{FF2B5EF4-FFF2-40B4-BE49-F238E27FC236}">
+                <a16:creationId xmlns:a16="http://schemas.microsoft.com/office/drawing/2014/main" id="{2B2A20E2-A917-46F8-99C7-82ABDB409913}"/>
+              </a:ext>
+            </a:extLst>
+          </p:cNvPr>
+          <p:cNvSpPr txBox="1"/>
+          <p:nvPr/>
+        </p:nvSpPr>
+        <p:spPr>
+          <a:xfrm>
+            <a:off x="8622649" y="3386461"/>
+            <a:ext cx="1333891" cy="369332"/>
+          </a:xfrm>
+          <a:prstGeom prst="rect">
+            <a:avLst/>
+          </a:prstGeom>
+          <a:noFill/>
+        </p:spPr>
+        <p:txBody>
+          <a:bodyPr wrap="none" rtlCol="0">
+            <a:spAutoFit/>
+          </a:bodyPr>
+          <a:lstStyle/>
+          <a:p>
+            <a:r>
+              <a:rPr lang="en-US" dirty="0">
+                <a:latin typeface="Segoe UI Light" panose="020B0502040204020203" pitchFamily="34" charset="0"/>
+                <a:cs typeface="Segoe UI Light" panose="020B0502040204020203" pitchFamily="34" charset="0"/>
+              </a:rPr>
+              <a:t>Power Apps</a:t>
+            </a:r>
+            <a:endParaRPr lang="en-NL" dirty="0">
+              <a:latin typeface="Segoe UI Light" panose="020B0502040204020203" pitchFamily="34" charset="0"/>
+              <a:cs typeface="Segoe UI Light" panose="020B0502040204020203" pitchFamily="34" charset="0"/>
+            </a:endParaRPr>
+          </a:p>
+        </p:txBody>
+      </p:sp>
+      <p:sp>
+        <p:nvSpPr>
+          <p:cNvPr id="10" name="TextBox 9">
+            <a:extLst>
+              <a:ext uri="{FF2B5EF4-FFF2-40B4-BE49-F238E27FC236}">
+                <a16:creationId xmlns:a16="http://schemas.microsoft.com/office/drawing/2014/main" id="{B6330618-3503-4704-8E70-49380060EA27}"/>
+              </a:ext>
+            </a:extLst>
+          </p:cNvPr>
+          <p:cNvSpPr txBox="1"/>
+          <p:nvPr/>
+        </p:nvSpPr>
+        <p:spPr>
+          <a:xfrm>
+            <a:off x="8647303" y="4180882"/>
+            <a:ext cx="1054199" cy="369332"/>
+          </a:xfrm>
+          <a:prstGeom prst="rect">
+            <a:avLst/>
+          </a:prstGeom>
+          <a:noFill/>
+        </p:spPr>
+        <p:txBody>
+          <a:bodyPr wrap="none" rtlCol="0">
+            <a:spAutoFit/>
+          </a:bodyPr>
+          <a:lstStyle/>
+          <a:p>
+            <a:r>
+              <a:rPr lang="en-US" dirty="0">
+                <a:latin typeface="Segoe UI Light" panose="020B0502040204020203" pitchFamily="34" charset="0"/>
+                <a:cs typeface="Segoe UI Light" panose="020B0502040204020203" pitchFamily="34" charset="0"/>
+              </a:rPr>
+              <a:t>Power BI</a:t>
+            </a:r>
+            <a:endParaRPr lang="en-NL" dirty="0">
+              <a:latin typeface="Segoe UI Light" panose="020B0502040204020203" pitchFamily="34" charset="0"/>
+              <a:cs typeface="Segoe UI Light" panose="020B0502040204020203" pitchFamily="34" charset="0"/>
+            </a:endParaRPr>
+          </a:p>
+        </p:txBody>
+      </p:sp>
+      <p:cxnSp>
+        <p:nvCxnSpPr>
+          <p:cNvPr id="12" name="Straight Arrow Connector 11">
+            <a:extLst>
+              <a:ext uri="{FF2B5EF4-FFF2-40B4-BE49-F238E27FC236}">
+                <a16:creationId xmlns:a16="http://schemas.microsoft.com/office/drawing/2014/main" id="{E9F1E34E-AC36-4C3C-9319-92D9415652CA}"/>
+              </a:ext>
+            </a:extLst>
+          </p:cNvPr>
+          <p:cNvCxnSpPr>
+            <a:stCxn id="4" idx="3"/>
+          </p:cNvCxnSpPr>
+          <p:nvPr/>
+        </p:nvCxnSpPr>
+        <p:spPr>
+          <a:xfrm>
+            <a:off x="6077651" y="3316706"/>
+            <a:ext cx="1815818" cy="6574"/>
+          </a:xfrm>
+          <a:prstGeom prst="straightConnector1">
+            <a:avLst/>
+          </a:prstGeom>
+          <a:ln w="9525" cap="flat" cmpd="sng" algn="ctr">
+            <a:solidFill>
+              <a:schemeClr val="accent1"/>
+            </a:solidFill>
+            <a:prstDash val="dash"/>
+            <a:round/>
+            <a:headEnd type="none" w="med" len="med"/>
+            <a:tailEnd type="oval" w="med" len="med"/>
+          </a:ln>
+        </p:spPr>
+        <p:style>
+          <a:lnRef idx="0">
+            <a:scrgbClr r="0" g="0" b="0"/>
+          </a:lnRef>
+          <a:fillRef idx="0">
+            <a:scrgbClr r="0" g="0" b="0"/>
+          </a:fillRef>
+          <a:effectRef idx="0">
+            <a:scrgbClr r="0" g="0" b="0"/>
+          </a:effectRef>
+          <a:fontRef idx="minor">
+            <a:schemeClr val="tx1"/>
+          </a:fontRef>
+        </p:style>
+      </p:cxnSp>
+      <p:sp>
+        <p:nvSpPr>
+          <p:cNvPr id="13" name="TextBox 12">
+            <a:extLst>
+              <a:ext uri="{FF2B5EF4-FFF2-40B4-BE49-F238E27FC236}">
+                <a16:creationId xmlns:a16="http://schemas.microsoft.com/office/drawing/2014/main" id="{BDFC7923-93F9-48F1-85DA-233447996454}"/>
+              </a:ext>
+            </a:extLst>
+          </p:cNvPr>
+          <p:cNvSpPr txBox="1"/>
+          <p:nvPr/>
+        </p:nvSpPr>
+        <p:spPr>
+          <a:xfrm>
+            <a:off x="6508781" y="3271688"/>
+            <a:ext cx="1200970" cy="646331"/>
+          </a:xfrm>
+          <a:prstGeom prst="rect">
+            <a:avLst/>
+          </a:prstGeom>
+          <a:noFill/>
+        </p:spPr>
+        <p:txBody>
+          <a:bodyPr wrap="none" rtlCol="0">
+            <a:spAutoFit/>
+          </a:bodyPr>
+          <a:lstStyle/>
+          <a:p>
+            <a:r>
+              <a:rPr lang="en-US" dirty="0">
+                <a:latin typeface="Segoe UI Light" panose="020B0502040204020203" pitchFamily="34" charset="0"/>
+                <a:cs typeface="Segoe UI Light" panose="020B0502040204020203" pitchFamily="34" charset="0"/>
+              </a:rPr>
+              <a:t>/</a:t>
+            </a:r>
+            <a:r>
+              <a:rPr lang="en-US" dirty="0" err="1">
+                <a:latin typeface="Segoe UI Light" panose="020B0502040204020203" pitchFamily="34" charset="0"/>
+                <a:cs typeface="Segoe UI Light" panose="020B0502040204020203" pitchFamily="34" charset="0"/>
+              </a:rPr>
+              <a:t>api</a:t>
+            </a:r>
+            <a:r>
+              <a:rPr lang="en-US" dirty="0">
+                <a:latin typeface="Segoe UI Light" panose="020B0502040204020203" pitchFamily="34" charset="0"/>
+                <a:cs typeface="Segoe UI Light" panose="020B0502040204020203" pitchFamily="34" charset="0"/>
+              </a:rPr>
+              <a:t>/data</a:t>
+            </a:r>
+          </a:p>
+          <a:p>
+            <a:r>
+              <a:rPr lang="en-US" dirty="0">
+                <a:latin typeface="Segoe UI Light" panose="020B0502040204020203" pitchFamily="34" charset="0"/>
+                <a:cs typeface="Segoe UI Light" panose="020B0502040204020203" pitchFamily="34" charset="0"/>
+              </a:rPr>
+              <a:t>/</a:t>
+            </a:r>
+            <a:r>
+              <a:rPr lang="en-US" dirty="0" err="1">
+                <a:latin typeface="Segoe UI Light" panose="020B0502040204020203" pitchFamily="34" charset="0"/>
+                <a:cs typeface="Segoe UI Light" panose="020B0502040204020203" pitchFamily="34" charset="0"/>
+              </a:rPr>
+              <a:t>api</a:t>
+            </a:r>
+            <a:r>
+              <a:rPr lang="en-US" dirty="0">
+                <a:latin typeface="Segoe UI Light" panose="020B0502040204020203" pitchFamily="34" charset="0"/>
+                <a:cs typeface="Segoe UI Light" panose="020B0502040204020203" pitchFamily="34" charset="0"/>
+              </a:rPr>
+              <a:t>/status</a:t>
             </a:r>
             <a:endParaRPr lang="en-NL" dirty="0">
               <a:latin typeface="Segoe UI Light" panose="020B0502040204020203" pitchFamily="34" charset="0"/>

--- a/Architecture/Architecture.pptx
+++ b/Architecture/Architecture.pptx
@@ -678,7 +678,7 @@
           <a:p>
             <a:fld id="{FB909909-C875-4CFD-8045-AD1B2DF230FC}" type="datetimeFigureOut">
               <a:rPr lang="en-NL" smtClean="0"/>
-              <a:t>13/06/2021</a:t>
+              <a:t>14/06/2021</a:t>
             </a:fld>
             <a:endParaRPr lang="en-NL"/>
           </a:p>
@@ -878,7 +878,7 @@
           <a:p>
             <a:fld id="{FB909909-C875-4CFD-8045-AD1B2DF230FC}" type="datetimeFigureOut">
               <a:rPr lang="en-NL" smtClean="0"/>
-              <a:t>13/06/2021</a:t>
+              <a:t>14/06/2021</a:t>
             </a:fld>
             <a:endParaRPr lang="en-NL"/>
           </a:p>
@@ -1088,7 +1088,7 @@
           <a:p>
             <a:fld id="{FB909909-C875-4CFD-8045-AD1B2DF230FC}" type="datetimeFigureOut">
               <a:rPr lang="en-NL" smtClean="0"/>
-              <a:t>13/06/2021</a:t>
+              <a:t>14/06/2021</a:t>
             </a:fld>
             <a:endParaRPr lang="en-NL"/>
           </a:p>
@@ -1288,7 +1288,7 @@
           <a:p>
             <a:fld id="{FB909909-C875-4CFD-8045-AD1B2DF230FC}" type="datetimeFigureOut">
               <a:rPr lang="en-NL" smtClean="0"/>
-              <a:t>13/06/2021</a:t>
+              <a:t>14/06/2021</a:t>
             </a:fld>
             <a:endParaRPr lang="en-NL"/>
           </a:p>
@@ -1564,7 +1564,7 @@
           <a:p>
             <a:fld id="{FB909909-C875-4CFD-8045-AD1B2DF230FC}" type="datetimeFigureOut">
               <a:rPr lang="en-NL" smtClean="0"/>
-              <a:t>13/06/2021</a:t>
+              <a:t>14/06/2021</a:t>
             </a:fld>
             <a:endParaRPr lang="en-NL"/>
           </a:p>
@@ -1832,7 +1832,7 @@
           <a:p>
             <a:fld id="{FB909909-C875-4CFD-8045-AD1B2DF230FC}" type="datetimeFigureOut">
               <a:rPr lang="en-NL" smtClean="0"/>
-              <a:t>13/06/2021</a:t>
+              <a:t>14/06/2021</a:t>
             </a:fld>
             <a:endParaRPr lang="en-NL"/>
           </a:p>
@@ -2247,7 +2247,7 @@
           <a:p>
             <a:fld id="{FB909909-C875-4CFD-8045-AD1B2DF230FC}" type="datetimeFigureOut">
               <a:rPr lang="en-NL" smtClean="0"/>
-              <a:t>13/06/2021</a:t>
+              <a:t>14/06/2021</a:t>
             </a:fld>
             <a:endParaRPr lang="en-NL"/>
           </a:p>
@@ -2389,7 +2389,7 @@
           <a:p>
             <a:fld id="{FB909909-C875-4CFD-8045-AD1B2DF230FC}" type="datetimeFigureOut">
               <a:rPr lang="en-NL" smtClean="0"/>
-              <a:t>13/06/2021</a:t>
+              <a:t>14/06/2021</a:t>
             </a:fld>
             <a:endParaRPr lang="en-NL"/>
           </a:p>
@@ -2502,7 +2502,7 @@
           <a:p>
             <a:fld id="{FB909909-C875-4CFD-8045-AD1B2DF230FC}" type="datetimeFigureOut">
               <a:rPr lang="en-NL" smtClean="0"/>
-              <a:t>13/06/2021</a:t>
+              <a:t>14/06/2021</a:t>
             </a:fld>
             <a:endParaRPr lang="en-NL"/>
           </a:p>
@@ -2815,7 +2815,7 @@
           <a:p>
             <a:fld id="{FB909909-C875-4CFD-8045-AD1B2DF230FC}" type="datetimeFigureOut">
               <a:rPr lang="en-NL" smtClean="0"/>
-              <a:t>13/06/2021</a:t>
+              <a:t>14/06/2021</a:t>
             </a:fld>
             <a:endParaRPr lang="en-NL"/>
           </a:p>
@@ -3104,7 +3104,7 @@
           <a:p>
             <a:fld id="{FB909909-C875-4CFD-8045-AD1B2DF230FC}" type="datetimeFigureOut">
               <a:rPr lang="en-NL" smtClean="0"/>
-              <a:t>13/06/2021</a:t>
+              <a:t>14/06/2021</a:t>
             </a:fld>
             <a:endParaRPr lang="en-NL"/>
           </a:p>
@@ -3347,7 +3347,7 @@
           <a:p>
             <a:fld id="{FB909909-C875-4CFD-8045-AD1B2DF230FC}" type="datetimeFigureOut">
               <a:rPr lang="en-NL" smtClean="0"/>
-              <a:t>13/06/2021</a:t>
+              <a:t>14/06/2021</a:t>
             </a:fld>
             <a:endParaRPr lang="en-NL"/>
           </a:p>
@@ -4680,8 +4680,8 @@
         </p:nvSpPr>
         <p:spPr>
           <a:xfrm>
-            <a:off x="5717651" y="4116177"/>
-            <a:ext cx="1181734" cy="646331"/>
+            <a:off x="5701384" y="4299972"/>
+            <a:ext cx="976549" cy="369332"/>
           </a:xfrm>
           <a:prstGeom prst="rect">
             <a:avLst/>
@@ -4695,24 +4695,11 @@
           <a:lstStyle/>
           <a:p>
             <a:r>
-              <a:rPr lang="en-US" dirty="0" err="1">
+              <a:rPr lang="en-US" dirty="0">
                 <a:latin typeface="Segoe UI Light" panose="020B0502040204020203" pitchFamily="34" charset="0"/>
                 <a:cs typeface="Segoe UI Light" panose="020B0502040204020203" pitchFamily="34" charset="0"/>
               </a:rPr>
-              <a:t>data.json</a:t>
-            </a:r>
-            <a:endParaRPr lang="en-US" dirty="0">
-              <a:latin typeface="Segoe UI Light" panose="020B0502040204020203" pitchFamily="34" charset="0"/>
-              <a:cs typeface="Segoe UI Light" panose="020B0502040204020203" pitchFamily="34" charset="0"/>
-            </a:endParaRPr>
-          </a:p>
-          <a:p>
-            <a:r>
-              <a:rPr lang="en-US" dirty="0" err="1">
-                <a:latin typeface="Segoe UI Light" panose="020B0502040204020203" pitchFamily="34" charset="0"/>
-                <a:cs typeface="Segoe UI Light" panose="020B0502040204020203" pitchFamily="34" charset="0"/>
-              </a:rPr>
-              <a:t>status.json</a:t>
+              <a:t>Data file</a:t>
             </a:r>
             <a:endParaRPr lang="en-NL" dirty="0">
               <a:latin typeface="Segoe UI Light" panose="020B0502040204020203" pitchFamily="34" charset="0"/>
@@ -4735,8 +4722,8 @@
         </p:nvSpPr>
         <p:spPr>
           <a:xfrm>
-            <a:off x="5954989" y="2556211"/>
-            <a:ext cx="1242841" cy="646331"/>
+            <a:off x="6020155" y="2948597"/>
+            <a:ext cx="998991" cy="369332"/>
           </a:xfrm>
           <a:prstGeom prst="rect">
             <a:avLst/>
@@ -4748,15 +4735,6 @@
             <a:spAutoFit/>
           </a:bodyPr>
           <a:lstStyle/>
-          <a:p>
-            <a:r>
-              <a:rPr lang="en-US" dirty="0">
-                <a:latin typeface="Segoe UI Light" panose="020B0502040204020203" pitchFamily="34" charset="0"/>
-                <a:cs typeface="Segoe UI Light" panose="020B0502040204020203" pitchFamily="34" charset="0"/>
-              </a:rPr>
-              <a:t>Dashboard</a:t>
-            </a:r>
-          </a:p>
           <a:p>
             <a:r>
               <a:rPr lang="en-US" dirty="0">
@@ -4994,7 +4972,7 @@
         </p:blipFill>
         <p:spPr>
           <a:xfrm>
-            <a:off x="7829145" y="5235018"/>
+            <a:off x="8135233" y="5235018"/>
             <a:ext cx="720000" cy="720000"/>
           </a:xfrm>
           <a:prstGeom prst="rect">
@@ -5020,7 +4998,7 @@
         <p:spPr>
           <a:xfrm flipH="1">
             <a:off x="6077651" y="5595018"/>
-            <a:ext cx="1751494" cy="0"/>
+            <a:ext cx="2057582" cy="0"/>
           </a:xfrm>
           <a:prstGeom prst="straightConnector1">
             <a:avLst/>
@@ -5064,7 +5042,7 @@
         </p:nvSpPr>
         <p:spPr>
           <a:xfrm>
-            <a:off x="7662045" y="6147770"/>
+            <a:off x="8907191" y="5410352"/>
             <a:ext cx="1054199" cy="369332"/>
           </a:xfrm>
           <a:prstGeom prst="rect">
@@ -5115,7 +5093,7 @@
         </p:blipFill>
         <p:spPr>
           <a:xfrm>
-            <a:off x="7818164" y="2506077"/>
+            <a:off x="8078052" y="2241967"/>
             <a:ext cx="834363" cy="2149478"/>
           </a:xfrm>
           <a:prstGeom prst="rect">
@@ -5137,7 +5115,7 @@
         </p:nvSpPr>
         <p:spPr>
           <a:xfrm>
-            <a:off x="8622649" y="2592040"/>
+            <a:off x="8882537" y="2327930"/>
             <a:ext cx="1795556" cy="369332"/>
           </a:xfrm>
           <a:prstGeom prst="rect">
@@ -5179,7 +5157,7 @@
         </p:nvSpPr>
         <p:spPr>
           <a:xfrm>
-            <a:off x="8622649" y="3386461"/>
+            <a:off x="8882537" y="3122351"/>
             <a:ext cx="1333891" cy="369332"/>
           </a:xfrm>
           <a:prstGeom prst="rect">
@@ -5221,7 +5199,7 @@
         </p:nvSpPr>
         <p:spPr>
           <a:xfrm>
-            <a:off x="8647303" y="4180882"/>
+            <a:off x="8907191" y="3916772"/>
             <a:ext cx="1054199" cy="369332"/>
           </a:xfrm>
           <a:prstGeom prst="rect">
@@ -5310,7 +5288,7 @@
         </p:nvSpPr>
         <p:spPr>
           <a:xfrm>
-            <a:off x="6508781" y="3271688"/>
+            <a:off x="6001580" y="3322642"/>
             <a:ext cx="1200970" cy="646331"/>
           </a:xfrm>
           <a:prstGeom prst="rect">

--- a/Architecture/Architecture.pptx
+++ b/Architecture/Architecture.pptx
@@ -678,7 +678,7 @@
           <a:p>
             <a:fld id="{FB909909-C875-4CFD-8045-AD1B2DF230FC}" type="datetimeFigureOut">
               <a:rPr lang="en-NL" smtClean="0"/>
-              <a:t>14/06/2021</a:t>
+              <a:t>29 Jun 2021</a:t>
             </a:fld>
             <a:endParaRPr lang="en-NL"/>
           </a:p>
@@ -878,7 +878,7 @@
           <a:p>
             <a:fld id="{FB909909-C875-4CFD-8045-AD1B2DF230FC}" type="datetimeFigureOut">
               <a:rPr lang="en-NL" smtClean="0"/>
-              <a:t>14/06/2021</a:t>
+              <a:t>29 Jun 2021</a:t>
             </a:fld>
             <a:endParaRPr lang="en-NL"/>
           </a:p>
@@ -1088,7 +1088,7 @@
           <a:p>
             <a:fld id="{FB909909-C875-4CFD-8045-AD1B2DF230FC}" type="datetimeFigureOut">
               <a:rPr lang="en-NL" smtClean="0"/>
-              <a:t>14/06/2021</a:t>
+              <a:t>29 Jun 2021</a:t>
             </a:fld>
             <a:endParaRPr lang="en-NL"/>
           </a:p>
@@ -1288,7 +1288,7 @@
           <a:p>
             <a:fld id="{FB909909-C875-4CFD-8045-AD1B2DF230FC}" type="datetimeFigureOut">
               <a:rPr lang="en-NL" smtClean="0"/>
-              <a:t>14/06/2021</a:t>
+              <a:t>29 Jun 2021</a:t>
             </a:fld>
             <a:endParaRPr lang="en-NL"/>
           </a:p>
@@ -1564,7 +1564,7 @@
           <a:p>
             <a:fld id="{FB909909-C875-4CFD-8045-AD1B2DF230FC}" type="datetimeFigureOut">
               <a:rPr lang="en-NL" smtClean="0"/>
-              <a:t>14/06/2021</a:t>
+              <a:t>29 Jun 2021</a:t>
             </a:fld>
             <a:endParaRPr lang="en-NL"/>
           </a:p>
@@ -1832,7 +1832,7 @@
           <a:p>
             <a:fld id="{FB909909-C875-4CFD-8045-AD1B2DF230FC}" type="datetimeFigureOut">
               <a:rPr lang="en-NL" smtClean="0"/>
-              <a:t>14/06/2021</a:t>
+              <a:t>29 Jun 2021</a:t>
             </a:fld>
             <a:endParaRPr lang="en-NL"/>
           </a:p>
@@ -2247,7 +2247,7 @@
           <a:p>
             <a:fld id="{FB909909-C875-4CFD-8045-AD1B2DF230FC}" type="datetimeFigureOut">
               <a:rPr lang="en-NL" smtClean="0"/>
-              <a:t>14/06/2021</a:t>
+              <a:t>29 Jun 2021</a:t>
             </a:fld>
             <a:endParaRPr lang="en-NL"/>
           </a:p>
@@ -2389,7 +2389,7 @@
           <a:p>
             <a:fld id="{FB909909-C875-4CFD-8045-AD1B2DF230FC}" type="datetimeFigureOut">
               <a:rPr lang="en-NL" smtClean="0"/>
-              <a:t>14/06/2021</a:t>
+              <a:t>29 Jun 2021</a:t>
             </a:fld>
             <a:endParaRPr lang="en-NL"/>
           </a:p>
@@ -2502,7 +2502,7 @@
           <a:p>
             <a:fld id="{FB909909-C875-4CFD-8045-AD1B2DF230FC}" type="datetimeFigureOut">
               <a:rPr lang="en-NL" smtClean="0"/>
-              <a:t>14/06/2021</a:t>
+              <a:t>29 Jun 2021</a:t>
             </a:fld>
             <a:endParaRPr lang="en-NL"/>
           </a:p>
@@ -2815,7 +2815,7 @@
           <a:p>
             <a:fld id="{FB909909-C875-4CFD-8045-AD1B2DF230FC}" type="datetimeFigureOut">
               <a:rPr lang="en-NL" smtClean="0"/>
-              <a:t>14/06/2021</a:t>
+              <a:t>29 Jun 2021</a:t>
             </a:fld>
             <a:endParaRPr lang="en-NL"/>
           </a:p>
@@ -3104,7 +3104,7 @@
           <a:p>
             <a:fld id="{FB909909-C875-4CFD-8045-AD1B2DF230FC}" type="datetimeFigureOut">
               <a:rPr lang="en-NL" smtClean="0"/>
-              <a:t>14/06/2021</a:t>
+              <a:t>29 Jun 2021</a:t>
             </a:fld>
             <a:endParaRPr lang="en-NL"/>
           </a:p>
@@ -3347,7 +3347,7 @@
           <a:p>
             <a:fld id="{FB909909-C875-4CFD-8045-AD1B2DF230FC}" type="datetimeFigureOut">
               <a:rPr lang="en-NL" smtClean="0"/>
-              <a:t>14/06/2021</a:t>
+              <a:t>29 Jun 2021</a:t>
             </a:fld>
             <a:endParaRPr lang="en-NL"/>
           </a:p>
@@ -4180,7 +4180,8 @@
             <a:avLst/>
           </a:prstGeom>
           <a:ln>
-            <a:tailEnd type="triangle"/>
+            <a:headEnd type="triangle"/>
+            <a:tailEnd type="none"/>
           </a:ln>
         </p:spPr>
         <p:style>
